--- a/HTML/01-introduction/byValByRefernce.pptx
+++ b/HTML/01-introduction/byValByRefernce.pptx
@@ -112,7 +112,120 @@
       </a:defRPr>
     </a:lvl9pPr>
   </p:defaultTextStyle>
+  <p:extLst>
+    <p:ext uri="{EFAFB233-063F-42B5-8137-9DF3F51BA10A}">
+      <p15:sldGuideLst xmlns:p15="http://schemas.microsoft.com/office/powerpoint/2012/main"/>
+    </p:ext>
+  </p:extLst>
 </p:presentation>
+</file>
+
+<file path=ppt/ink/ink1.xml><?xml version="1.0" encoding="utf-8"?>
+<inkml:ink xmlns:inkml="http://www.w3.org/2003/InkML">
+  <inkml:definitions>
+    <inkml:context xml:id="ctx0">
+      <inkml:inkSource xml:id="inkSrc0">
+        <inkml:traceFormat>
+          <inkml:channel name="X" type="integer" min="-2.14748E9" max="2.14748E9" units="cm"/>
+          <inkml:channel name="Y" type="integer" min="-2.14748E9" max="2.14748E9" units="cm"/>
+          <inkml:channel name="F" type="integer" max="32767" units="dev"/>
+        </inkml:traceFormat>
+        <inkml:channelProperties>
+          <inkml:channelProperty channel="X" name="resolution" value="1000" units="1/cm"/>
+          <inkml:channelProperty channel="Y" name="resolution" value="1000" units="1/cm"/>
+          <inkml:channelProperty channel="F" name="resolution" value="0" units="1/dev"/>
+        </inkml:channelProperties>
+      </inkml:inkSource>
+      <inkml:timestamp xml:id="ts0" timeString="2020-10-11T15:00:26.272"/>
+    </inkml:context>
+    <inkml:brush xml:id="br0">
+      <inkml:brushProperty name="width" value="0.05" units="cm"/>
+      <inkml:brushProperty name="height" value="0.05" units="cm"/>
+    </inkml:brush>
+  </inkml:definitions>
+  <inkml:trace contextRef="#ctx0" brushRef="#br0">0 4679 24575,'2'8'0,"0"-2"0,31-12 0,35-21 0,26-13 0,14-8 0,5-4 0,-8 4 0,-18 8 0,6-3 0,-10 3 0,1-1 0,12-4-1093,-23 11 1,9-4 0,7-2 0,3-2-1,0 1 1,-2-1 0,-5 3 0,-8 3-1,-11 4 596,28-16 1,-16 6-1,-8 4 497,3-4 0,-15 7 0,-18 11-1197,7-4 1197,-25 13 2122,-7 5-2122,39-24-1671,9-8 1,2-2 1670,17-12 0,-26 19 0,12-7 0,3-2 0,-6 5 1095,-9 4 1,-4 3-1,8-4-1095,5-2 0,9-6 0,4-2 0,-2 1 0,-7 5 0,8-6 0,-7 4 0,1 0 957,12-8 1,1-1 0,-12 7-958,-18 10 0,-9 4-4274,8-7 4274,-7 9 0,24-12 0,-43 28-31,39-28 0,7-5 31,-3 3 0,-17 9 0,0 1 478,7-2-478,17-15 4479,-53 37-4479,27-19 0,-1 1 6699,-31 21-6699,25-16 0,-1-1 258,-26 18-258,62-43 0,-63 43 0,59-41 0,-33 24 0,11-10-4526,-19 16 4526,-23 12-2869,21-10 2869,-19 12 0,53-32 0,-24 17 0,4-2 0,6-7 0,-27 15 0,1-1 3711,-6 3-3711,2 1 0,-12 8 0,27-19 0,-29 19 0,26-18 0,-27 17 0,24-14 0,-24 14 3684,9-3-3684,5-5 0,-11 9 0,33-21 0,-32 19 0,37-22 0,-35 22 0,36-20 0,-37 21 0,34-21 0,-36 22 0,34-23 0,-20 14 0,4-3 0,-10 5 0,3 1 0,-17 5 0,37-17 0,-34 16 0,32-16 0,-31 17 0,27-14 0,-27 14 0,22-13 0,-13 4 0,0 0 0,6-5 0,-16 14 0,16-11 0,-18 11 0,17-12 0,-19 12 0,9-3 0,1-5 0,-6 11 0,18-22 0,-19 22 0,19-23 0,-20 21 0,19-18 0,-19 17 0,20-17 0,-18 17 0,21-27 0,-20 27 0,32-40 0,-30 35 0,45-45 0,-42 43-6784,53-51 6784,-52 49-2269,23-19 1,0 0 2268,-24 20-1377,61-48 1377,-59 50 0,52-45 0,-54 47 0,53-47 0,-54 49 0,60-49 0,-59 47 0,60-43 0,-58 41 0,46-36 0,-47 37 0,35-30 0,-39 33-1025,27-20 1025,-30 23 3347,14-10-3347,-10 10 5005,12-8-5005,-1-1 0,-3 5 2672,1-7-2672,-10 9 2699,6-5-2699,-4 4 0,-2 4 0,-4 1 0,1-1 0,-4-1 0,8 0 0,-6 1 0,3 0 0,-3 2 0,-4 0 0,0 2 0,-3 0 0</inkml:trace>
+</inkml:ink>
+</file>
+
+<file path=ppt/ink/ink2.xml><?xml version="1.0" encoding="utf-8"?>
+<inkml:ink xmlns:inkml="http://www.w3.org/2003/InkML">
+  <inkml:definitions>
+    <inkml:context xml:id="ctx0">
+      <inkml:inkSource xml:id="inkSrc0">
+        <inkml:traceFormat>
+          <inkml:channel name="X" type="integer" min="-2.14748E9" max="2.14748E9" units="cm"/>
+          <inkml:channel name="Y" type="integer" min="-2.14748E9" max="2.14748E9" units="cm"/>
+          <inkml:channel name="F" type="integer" max="32767" units="dev"/>
+        </inkml:traceFormat>
+        <inkml:channelProperties>
+          <inkml:channelProperty channel="X" name="resolution" value="1000" units="1/cm"/>
+          <inkml:channelProperty channel="Y" name="resolution" value="1000" units="1/cm"/>
+          <inkml:channelProperty channel="F" name="resolution" value="0" units="1/dev"/>
+        </inkml:channelProperties>
+      </inkml:inkSource>
+      <inkml:timestamp xml:id="ts0" timeString="2020-10-11T15:00:29.302"/>
+    </inkml:context>
+    <inkml:brush xml:id="br0">
+      <inkml:brushProperty name="width" value="0.05" units="cm"/>
+      <inkml:brushProperty name="height" value="0.05" units="cm"/>
+    </inkml:brush>
+  </inkml:definitions>
+  <inkml:trace contextRef="#ctx0" brushRef="#br0">0 3453 24575,'4'2'0,"0"2"0,2-4 0,9 0 0,18-11 0,-13 7 0,11-8 0,32-11 0,-37 14 0,43-16 0,10-3 0,7-1-3392,-22 7 0,-2 1 3392,10-3-2269,-5 6 1,-4 2 2268,-18 4-321,29-5 0,24-6 0,-5 1 321,-6 0 0,-1 0 0,-3 2 0,6-1 0,-8 2 0,-6 0 0,-1-1 0,10-3 0,7-2 0,-16 5 0,-4 0 0,3 0 0,24-7 0,5-2 0,-14 4 0,8-4 0,-5 2-905,-3 2 0,5-2 0,-9 2 905,-4-1 0,-3 1 0,-9 5 0,2 0 0,-14 2 2715,-4-2-2715,14 0 0,14-3 0,-21 5 4059,-33 6-4059,35-10 0,-4 1 1441,-40 14-1441,30-14 0,-1 1 6784,-30 14-6784,29-16 0,0-1 0,-27 15 0,26-17 0,7-4 0,7 2 0,17-12 0,-26 15 0,29-14 0,-56 26 0,35-18 0,5-4 0,-7 0 0,29-16 0,-40 20 0,37-26 0,-63 41 0,35-24 0,4-3 0,-12 6 0,26-20 0,-35 27 0,21-15 0,-43 32 0,25-18 0,3-3-6784,-12 8 6784,14-9-2260,-20 15 2260,-22 16-465,15-12 465,-15 9 0,18-13 0,-17 15 0,17-17 0,-14 18 0,25-29 0,-24 27 0,36-35 0,-33 31 0,41-32 0,-40 31 0,36-27 0,-40 29 0,31-26 0,-31 28 0,26-22 0,-26 22 0,38-28 0,-34 23-3634,68-45 3634,-60 43 553,32-24 0,0-2-553,-29 24 0,33-26 0,2-1 0,-33 25-841,33-21 1,0 0 840,-37 25-1024,37-23 0,-1 0 1024,-36 23 0,30-21 0,0 0 0,-33 23-379,51-38 379,-57 40 1879,31-23-1879,-36 26 0,23-17 0,-23 18 3078,16-10-3078,-19 11 4603,17-6-4603,-2-2 0,-1 4 0,11-9 0,-23 13 0,23-16 0,-22 16 0,27-19 0,-26 20 0,29-23 0,-29 20 0,31-19 0,-30 19 0,37-20 0,-38 18 5737,20-8-5737,8-5 0,-22 16-5936,69-38 5936,-64 36-2269,31-16 1,0-2 2268,-31 16-2889,67-35 2889,-74 38 0,37-19 0,-43 22 3105,17-4-3105,-20 3 4644,14 0-4644,-7 0 6461,3 2-6461,-1-2 0,-3 4 0,3-2 0,-4 2 0,-1-2 0,-4 2 0,-2-2 0</inkml:trace>
+</inkml:ink>
+</file>
+
+<file path=ppt/ink/ink3.xml><?xml version="1.0" encoding="utf-8"?>
+<inkml:ink xmlns:inkml="http://www.w3.org/2003/InkML">
+  <inkml:definitions>
+    <inkml:context xml:id="ctx0">
+      <inkml:inkSource xml:id="inkSrc0">
+        <inkml:traceFormat>
+          <inkml:channel name="X" type="integer" min="-2.14748E9" max="2.14748E9" units="cm"/>
+          <inkml:channel name="Y" type="integer" min="-2.14748E9" max="2.14748E9" units="cm"/>
+          <inkml:channel name="F" type="integer" max="32767" units="dev"/>
+        </inkml:traceFormat>
+        <inkml:channelProperties>
+          <inkml:channelProperty channel="X" name="resolution" value="1000" units="1/cm"/>
+          <inkml:channelProperty channel="Y" name="resolution" value="1000" units="1/cm"/>
+          <inkml:channelProperty channel="F" name="resolution" value="0" units="1/dev"/>
+        </inkml:channelProperties>
+      </inkml:inkSource>
+      <inkml:timestamp xml:id="ts0" timeString="2020-10-11T15:00:32.587"/>
+    </inkml:context>
+    <inkml:brush xml:id="br0">
+      <inkml:brushProperty name="width" value="0.05" units="cm"/>
+      <inkml:brushProperty name="height" value="0.05" units="cm"/>
+    </inkml:brush>
+  </inkml:definitions>
+  <inkml:trace contextRef="#ctx0" brushRef="#br0">0 2320 24575,'28'-10'0,"5"-5"0,26-16 0,-15 10 0,8-3 0,36-20 0,2-1-4252,-34 19 1,-2 2 4251,16-9 0,4-2 0,-16 8 0,3 0 0,3-1-940,14-6 1,4-2 0,3-1 939,-11 4 0,2-1 0,1 0 0,-5 2-179,2-1 1,-3 1 0,3-1 178,-2 0 0,5-2 0,-5 1 0,-15 7 0,10-6 0,-2 2 0,22-9 0,-4 1 0,-24 11 0,-23 10 0,46-17 0,-5 2 4272,-57 27-4272,28-13 0,-1 3 6388,-34 12-6388,54-19 0,-42 16 0,12-5 1196,-18 6-1196,11-2 0,-22 4 0,43-12 0,-43 12 0,40-15 0,-40 16 0,44-20 0,-41 20 0,49-25 0,-48 24 0,54-24 0,-18 11 0,4-1 0,-13 1 0,23 0 0,-43 9 0,39-9 0,0-1 0,-37 10 0,45-12 0,1 0 0,-41 11 0,48-14 0,1 1 0,-43 14 0,49-16 0,11-3 0,-42 15 0,-1 1-3392,19-8 0,-3 0 3392,12 1-4537,10-7 4537,-63 18 0,31-8 0,4-1 0,-15 6 0,23-7 0,-34 10 0,11-5 0,-33 10 4537,49-14-4537,-33 9 0,12-3 0,-18 4 0,15-4 0,-26 8 6784,45-14-6784,-27 9 0,5-1 0,-7 1 0,-20 6 0,31-9 0,-26 7 0,45-12 0,-46 11 0,47-10 0,-46 9 0,56-12 0,-54 12 0,63-13 0,-26 5-6784,27-5 6784,-30 6 0,-8 3 0,-32 6 0,48-7 0,-41 6 0,68-12 0,-68 12 0,65-12 0,-64 14 0,65-14 0,-67 15 0,61-12 0,-60 12 0,57-11 0,-57 10 0,54-10 0,-57 11 0,51-8 0,-30 1 0,5 3 0,9-8 0,-37 10 0,41-6 0,-40 6 0,18 0 0,1-2 0,-17 3 0,48-6 0,-46 7 0,46-6 0,-50 6 0,36-8 0,-38 8 0,30-6 0,-30 5 6784,25-1-6784,-25 2 0,29-1 0,-30 0 0,42-4 0,-40 3 0,47-4 0,-45 7 0,30-4 0,-35 4 0,9 0 0,-11 0 0,0 0 0,3 0 0,0 0 0,2 0 0,4 0 0,-7-2 0,15 2 0,-11-4 0,23 4 0,-15-2 0,4 2 0,10-3 0,-22 2 0,38-4 0,-26 1 0,5 1 0,-9-1 0,2 3 0,-14-1 0,13-1 0,-8 2 0,-5 1 0,17 0 0,-16 0 0,16 0 0,-17 0 0,14 0 0,-14 0 0,13 0 0,-7 0 0,2 0 0,-7-2 0,-5 1 0,-2 0 0</inkml:trace>
+</inkml:ink>
+</file>
+
+<file path=ppt/ink/ink4.xml><?xml version="1.0" encoding="utf-8"?>
+<inkml:ink xmlns:inkml="http://www.w3.org/2003/InkML">
+  <inkml:definitions>
+    <inkml:context xml:id="ctx0">
+      <inkml:inkSource xml:id="inkSrc0">
+        <inkml:traceFormat>
+          <inkml:channel name="X" type="integer" min="-2.14748E9" max="2.14748E9" units="cm"/>
+          <inkml:channel name="Y" type="integer" min="-2.14748E9" max="2.14748E9" units="cm"/>
+          <inkml:channel name="F" type="integer" max="32767" units="dev"/>
+        </inkml:traceFormat>
+        <inkml:channelProperties>
+          <inkml:channelProperty channel="X" name="resolution" value="1000" units="1/cm"/>
+          <inkml:channelProperty channel="Y" name="resolution" value="1000" units="1/cm"/>
+          <inkml:channelProperty channel="F" name="resolution" value="0" units="1/dev"/>
+        </inkml:channelProperties>
+      </inkml:inkSource>
+      <inkml:timestamp xml:id="ts0" timeString="2020-10-11T15:00:35.574"/>
+    </inkml:context>
+    <inkml:brush xml:id="br0">
+      <inkml:brushProperty name="width" value="0.05" units="cm"/>
+      <inkml:brushProperty name="height" value="0.05" units="cm"/>
+    </inkml:brush>
+  </inkml:definitions>
+  <inkml:trace contextRef="#ctx0" brushRef="#br0">1 1544 24575,'5'4'0,"12"-2"0,29-13 0,20-8 0,17-8 0,-16 5 0,7-5 0,2 0 0,-5 3-2835,-2 0 1,-3 1 0,2 0 2834,12-6 0,3-1 0,4-1 0,-7 6 0,4 1 0,2-1 0,3-1-564,-11 3 1,2 0-1,2 0 1,1-1-1,2-1 564,-2 1 0,4-1 0,1-1 0,0 1 0,-3 0 0,-4 1-343,14-3 1,-5 1-1,0 1 1,5-2 342,-14 5 0,8-2 0,2-1 0,-4 2 0,-8 2 0,-14 3 0,1 1 0,0-1 0,8-1 0,22-6 0,10-2 0,-2 0 0,-16 5 0,-26 6 0,-4 3 0,16-5 0,16-3 0,-26 8 3858,-42 10-3858,34-6 0,-1 0 5769,-37 7-5769,40-6 0,2 0 3064,-35 5-3064,54-8 0,2-1 0,-45 8 0,59-10 0,0-1 0,-61 12 0,48-11 0,-5 0 0,-55 11 0,75-14 0,-83 14 0,50-5 0,-53 6 0,49-3 0,-47 4 0,71-6 0,-9-3 0,4 0 0,-13 0 0,18-8 0,-60 14 0,32-7 0,-2 1 0,-38 8 0,53-8 0,-59 7 0,43-5 0,-43 6 0,43-3 0,-41 4 0,68-6 0,-60 4-3392,37-3 0,0-1 3392,-34 2-2269,43-3 1,1 0 2268,-43 3-1517,42-4 0,-1 2 1517,-45 3 0,76-6 0,-82 10 0,24-2 0,-8 2 0,-20 0 0,45 0 0,-44-2 0,45 2 0,-43-2 0,44-1 0,-45 2 0,48-6 0,-49 6 3034,46-3-3034,-32 3 0,6 0 0,1-1 0,-25 2 4537,13 0-4537,-16 0 6784,6 0-6784,-6 0 0,2 0 0,-2 0 0,1 0 0,0 0 0,4 0 0,-4 0 0,7 0 0,1 0 0,-2 0 0,3 0 0,-2 0 0,-3 0 0,13 0 0,-16 0 0,14 0 0,-15 0 0,8 0 0,-8 0 0,2 0 0,-3 0 0,0 0 0,0 0 0,5 0 0,-4 0 0,5 0 0,-5 0 0,0 0 0,21 0 0,-16 0 0,25-3 0,-28 2 0,9-2 0,-12 3 0,-2 0 0,-2 0 0</inkml:trace>
+</inkml:ink>
 </file>
 
 <file path=ppt/slideLayouts/slideLayout1.xml><?xml version="1.0" encoding="utf-8"?>
@@ -262,7 +375,7 @@
           <a:p>
             <a:fld id="{158D5494-ED70-49AD-8D66-EE852458581A}" type="datetimeFigureOut">
               <a:rPr lang="he-IL" smtClean="0"/>
-              <a:t>ו'/ניסן/תשע"ט</a:t>
+              <a:t>כ"ג.תשרי.תשפ"א</a:t>
             </a:fld>
             <a:endParaRPr lang="he-IL"/>
           </a:p>
@@ -460,7 +573,7 @@
           <a:p>
             <a:fld id="{158D5494-ED70-49AD-8D66-EE852458581A}" type="datetimeFigureOut">
               <a:rPr lang="he-IL" smtClean="0"/>
-              <a:t>ו'/ניסן/תשע"ט</a:t>
+              <a:t>כ"ג.תשרי.תשפ"א</a:t>
             </a:fld>
             <a:endParaRPr lang="he-IL"/>
           </a:p>
@@ -668,7 +781,7 @@
           <a:p>
             <a:fld id="{158D5494-ED70-49AD-8D66-EE852458581A}" type="datetimeFigureOut">
               <a:rPr lang="he-IL" smtClean="0"/>
-              <a:t>ו'/ניסן/תשע"ט</a:t>
+              <a:t>כ"ג.תשרי.תשפ"א</a:t>
             </a:fld>
             <a:endParaRPr lang="he-IL"/>
           </a:p>
@@ -866,7 +979,7 @@
           <a:p>
             <a:fld id="{158D5494-ED70-49AD-8D66-EE852458581A}" type="datetimeFigureOut">
               <a:rPr lang="he-IL" smtClean="0"/>
-              <a:t>ו'/ניסן/תשע"ט</a:t>
+              <a:t>כ"ג.תשרי.תשפ"א</a:t>
             </a:fld>
             <a:endParaRPr lang="he-IL"/>
           </a:p>
@@ -1141,7 +1254,7 @@
           <a:p>
             <a:fld id="{158D5494-ED70-49AD-8D66-EE852458581A}" type="datetimeFigureOut">
               <a:rPr lang="he-IL" smtClean="0"/>
-              <a:t>ו'/ניסן/תשע"ט</a:t>
+              <a:t>כ"ג.תשרי.תשפ"א</a:t>
             </a:fld>
             <a:endParaRPr lang="he-IL"/>
           </a:p>
@@ -1406,7 +1519,7 @@
           <a:p>
             <a:fld id="{158D5494-ED70-49AD-8D66-EE852458581A}" type="datetimeFigureOut">
               <a:rPr lang="he-IL" smtClean="0"/>
-              <a:t>ו'/ניסן/תשע"ט</a:t>
+              <a:t>כ"ג.תשרי.תשפ"א</a:t>
             </a:fld>
             <a:endParaRPr lang="he-IL"/>
           </a:p>
@@ -1818,7 +1931,7 @@
           <a:p>
             <a:fld id="{158D5494-ED70-49AD-8D66-EE852458581A}" type="datetimeFigureOut">
               <a:rPr lang="he-IL" smtClean="0"/>
-              <a:t>ו'/ניסן/תשע"ט</a:t>
+              <a:t>כ"ג.תשרי.תשפ"א</a:t>
             </a:fld>
             <a:endParaRPr lang="he-IL"/>
           </a:p>
@@ -1959,7 +2072,7 @@
           <a:p>
             <a:fld id="{158D5494-ED70-49AD-8D66-EE852458581A}" type="datetimeFigureOut">
               <a:rPr lang="he-IL" smtClean="0"/>
-              <a:t>ו'/ניסן/תשע"ט</a:t>
+              <a:t>כ"ג.תשרי.תשפ"א</a:t>
             </a:fld>
             <a:endParaRPr lang="he-IL"/>
           </a:p>
@@ -2072,7 +2185,7 @@
           <a:p>
             <a:fld id="{158D5494-ED70-49AD-8D66-EE852458581A}" type="datetimeFigureOut">
               <a:rPr lang="he-IL" smtClean="0"/>
-              <a:t>ו'/ניסן/תשע"ט</a:t>
+              <a:t>כ"ג.תשרי.תשפ"א</a:t>
             </a:fld>
             <a:endParaRPr lang="he-IL"/>
           </a:p>
@@ -2383,7 +2496,7 @@
           <a:p>
             <a:fld id="{158D5494-ED70-49AD-8D66-EE852458581A}" type="datetimeFigureOut">
               <a:rPr lang="he-IL" smtClean="0"/>
-              <a:t>ו'/ניסן/תשע"ט</a:t>
+              <a:t>כ"ג.תשרי.תשפ"א</a:t>
             </a:fld>
             <a:endParaRPr lang="he-IL"/>
           </a:p>
@@ -2671,7 +2784,7 @@
           <a:p>
             <a:fld id="{158D5494-ED70-49AD-8D66-EE852458581A}" type="datetimeFigureOut">
               <a:rPr lang="he-IL" smtClean="0"/>
-              <a:t>ו'/ניסן/תשע"ט</a:t>
+              <a:t>כ"ג.תשרי.תשפ"א</a:t>
             </a:fld>
             <a:endParaRPr lang="he-IL"/>
           </a:p>
@@ -2912,7 +3025,7 @@
           <a:p>
             <a:fld id="{158D5494-ED70-49AD-8D66-EE852458581A}" type="datetimeFigureOut">
               <a:rPr lang="he-IL" smtClean="0"/>
-              <a:t>ו'/ניסן/תשע"ט</a:t>
+              <a:t>כ"ג.תשרי.תשפ"א</a:t>
             </a:fld>
             <a:endParaRPr lang="he-IL"/>
           </a:p>
@@ -3479,7 +3592,7 @@
         </p:nvSpPr>
         <p:spPr>
           <a:xfrm>
-            <a:off x="3734972" y="1690688"/>
+            <a:off x="3787723" y="1599800"/>
             <a:ext cx="1097280" cy="369332"/>
           </a:xfrm>
           <a:prstGeom prst="rect">
@@ -3493,10 +3606,10 @@
           </a:bodyPr>
           <a:lstStyle/>
           <a:p>
-            <a:pPr algn="ctr"/>
+            <a:pPr algn="ctr" rtl="0"/>
             <a:r>
               <a:rPr lang="en-US" dirty="0"/>
-              <a:t>stack</a:t>
+              <a:t>Stack call</a:t>
             </a:r>
             <a:endParaRPr lang="he-IL" dirty="0"/>
           </a:p>
@@ -3568,8 +3681,8 @@
         </p:nvSpPr>
         <p:spPr>
           <a:xfrm>
-            <a:off x="7359750" y="1690688"/>
-            <a:ext cx="1097280" cy="369332"/>
+            <a:off x="7071724" y="1613274"/>
+            <a:ext cx="1645325" cy="369332"/>
           </a:xfrm>
           <a:prstGeom prst="rect">
             <a:avLst/>
@@ -3582,10 +3695,10 @@
           </a:bodyPr>
           <a:lstStyle/>
           <a:p>
-            <a:pPr algn="ctr"/>
+            <a:pPr algn="ctr" rtl="0"/>
             <a:r>
               <a:rPr lang="en-US" dirty="0"/>
-              <a:t>heap</a:t>
+              <a:t>Heap memory</a:t>
             </a:r>
             <a:endParaRPr lang="he-IL" dirty="0"/>
           </a:p>
@@ -3635,7 +3748,7 @@
             <a:pPr algn="ctr"/>
             <a:r>
               <a:rPr lang="en-US" dirty="0"/>
-              <a:t>data</a:t>
+              <a:t>point</a:t>
             </a:r>
             <a:endParaRPr lang="he-IL" dirty="0"/>
           </a:p>
@@ -3685,7 +3798,7 @@
             <a:pPr algn="ctr"/>
             <a:r>
               <a:rPr lang="en-US" dirty="0"/>
-              <a:t>data</a:t>
+              <a:t>point</a:t>
             </a:r>
             <a:endParaRPr lang="he-IL" dirty="0"/>
           </a:p>
@@ -3735,7 +3848,7 @@
             <a:pPr algn="ctr"/>
             <a:r>
               <a:rPr lang="en-US" dirty="0"/>
-              <a:t>data</a:t>
+              <a:t>point</a:t>
             </a:r>
             <a:endParaRPr lang="he-IL" dirty="0"/>
           </a:p>
@@ -3785,7 +3898,7 @@
             <a:pPr algn="ctr"/>
             <a:r>
               <a:rPr lang="en-US" dirty="0"/>
-              <a:t>data</a:t>
+              <a:t>point</a:t>
             </a:r>
             <a:endParaRPr lang="he-IL" dirty="0"/>
           </a:p>
@@ -3805,7 +3918,7 @@
         </p:nvSpPr>
         <p:spPr>
           <a:xfrm>
-            <a:off x="5600113" y="4188929"/>
+            <a:off x="7412503" y="2816024"/>
             <a:ext cx="991773" cy="253218"/>
           </a:xfrm>
           <a:prstGeom prst="foldedCorner">
@@ -3935,6 +4048,483 @@
           </a:extLst>
         </p:spPr>
       </p:pic>
+      <p:sp>
+        <p:nvSpPr>
+          <p:cNvPr id="13" name="מלבן: פינה מקופלת 11">
+            <a:extLst>
+              <a:ext uri="{FF2B5EF4-FFF2-40B4-BE49-F238E27FC236}">
+                <a16:creationId xmlns:a16="http://schemas.microsoft.com/office/drawing/2014/main" id="{CFBF44EF-CB77-4E4F-874D-3BFBD8CA1666}"/>
+              </a:ext>
+            </a:extLst>
+          </p:cNvPr>
+          <p:cNvSpPr/>
+          <p:nvPr/>
+        </p:nvSpPr>
+        <p:spPr>
+          <a:xfrm>
+            <a:off x="7412503" y="3676081"/>
+            <a:ext cx="991773" cy="253218"/>
+          </a:xfrm>
+          <a:prstGeom prst="foldedCorner">
+            <a:avLst/>
+          </a:prstGeom>
+        </p:spPr>
+        <p:style>
+          <a:lnRef idx="2">
+            <a:schemeClr val="accent1">
+              <a:shade val="50000"/>
+            </a:schemeClr>
+          </a:lnRef>
+          <a:fillRef idx="1">
+            <a:schemeClr val="accent1"/>
+          </a:fillRef>
+          <a:effectRef idx="0">
+            <a:schemeClr val="accent1"/>
+          </a:effectRef>
+          <a:fontRef idx="minor">
+            <a:schemeClr val="lt1"/>
+          </a:fontRef>
+        </p:style>
+        <p:txBody>
+          <a:bodyPr rtlCol="1" anchor="ctr"/>
+          <a:lstStyle/>
+          <a:p>
+            <a:pPr algn="ctr"/>
+            <a:r>
+              <a:rPr lang="en-US" dirty="0"/>
+              <a:t>data</a:t>
+            </a:r>
+            <a:endParaRPr lang="he-IL" dirty="0"/>
+          </a:p>
+        </p:txBody>
+      </p:sp>
+      <p:sp>
+        <p:nvSpPr>
+          <p:cNvPr id="14" name="מלבן: פינה מקופלת 11">
+            <a:extLst>
+              <a:ext uri="{FF2B5EF4-FFF2-40B4-BE49-F238E27FC236}">
+                <a16:creationId xmlns:a16="http://schemas.microsoft.com/office/drawing/2014/main" id="{C716CEF3-2685-D845-8AD3-7EAA7319900A}"/>
+              </a:ext>
+            </a:extLst>
+          </p:cNvPr>
+          <p:cNvSpPr/>
+          <p:nvPr/>
+        </p:nvSpPr>
+        <p:spPr>
+          <a:xfrm>
+            <a:off x="7412502" y="4409529"/>
+            <a:ext cx="991773" cy="253218"/>
+          </a:xfrm>
+          <a:prstGeom prst="foldedCorner">
+            <a:avLst/>
+          </a:prstGeom>
+        </p:spPr>
+        <p:style>
+          <a:lnRef idx="2">
+            <a:schemeClr val="accent1">
+              <a:shade val="50000"/>
+            </a:schemeClr>
+          </a:lnRef>
+          <a:fillRef idx="1">
+            <a:schemeClr val="accent1"/>
+          </a:fillRef>
+          <a:effectRef idx="0">
+            <a:schemeClr val="accent1"/>
+          </a:effectRef>
+          <a:fontRef idx="minor">
+            <a:schemeClr val="lt1"/>
+          </a:fontRef>
+        </p:style>
+        <p:txBody>
+          <a:bodyPr rtlCol="1" anchor="ctr"/>
+          <a:lstStyle/>
+          <a:p>
+            <a:pPr algn="ctr"/>
+            <a:r>
+              <a:rPr lang="en-US" dirty="0"/>
+              <a:t>data</a:t>
+            </a:r>
+            <a:endParaRPr lang="he-IL" dirty="0"/>
+          </a:p>
+        </p:txBody>
+      </p:sp>
+      <p:sp>
+        <p:nvSpPr>
+          <p:cNvPr id="15" name="מלבן: פינה מקופלת 11">
+            <a:extLst>
+              <a:ext uri="{FF2B5EF4-FFF2-40B4-BE49-F238E27FC236}">
+                <a16:creationId xmlns:a16="http://schemas.microsoft.com/office/drawing/2014/main" id="{DC435548-361E-5143-8958-53B89EC0B0D0}"/>
+              </a:ext>
+            </a:extLst>
+          </p:cNvPr>
+          <p:cNvSpPr/>
+          <p:nvPr/>
+        </p:nvSpPr>
+        <p:spPr>
+          <a:xfrm>
+            <a:off x="7398501" y="5031693"/>
+            <a:ext cx="991773" cy="253218"/>
+          </a:xfrm>
+          <a:prstGeom prst="foldedCorner">
+            <a:avLst/>
+          </a:prstGeom>
+        </p:spPr>
+        <p:style>
+          <a:lnRef idx="2">
+            <a:schemeClr val="accent1">
+              <a:shade val="50000"/>
+            </a:schemeClr>
+          </a:lnRef>
+          <a:fillRef idx="1">
+            <a:schemeClr val="accent1"/>
+          </a:fillRef>
+          <a:effectRef idx="0">
+            <a:schemeClr val="accent1"/>
+          </a:effectRef>
+          <a:fontRef idx="minor">
+            <a:schemeClr val="lt1"/>
+          </a:fontRef>
+        </p:style>
+        <p:txBody>
+          <a:bodyPr rtlCol="1" anchor="ctr"/>
+          <a:lstStyle/>
+          <a:p>
+            <a:pPr algn="ctr"/>
+            <a:r>
+              <a:rPr lang="en-US" dirty="0"/>
+              <a:t>data</a:t>
+            </a:r>
+            <a:endParaRPr lang="he-IL" dirty="0"/>
+          </a:p>
+        </p:txBody>
+      </p:sp>
+      <mc:AlternateContent xmlns:mc="http://schemas.openxmlformats.org/markup-compatibility/2006">
+        <mc:Choice xmlns:p14="http://schemas.microsoft.com/office/powerpoint/2010/main" Requires="p14">
+          <p:contentPart p14:bwMode="auto" r:id="rId4">
+            <p14:nvContentPartPr>
+              <p14:cNvPr id="2" name="Ink 1">
+                <a:extLst>
+                  <a:ext uri="{FF2B5EF4-FFF2-40B4-BE49-F238E27FC236}">
+                    <a16:creationId xmlns:a16="http://schemas.microsoft.com/office/drawing/2014/main" id="{AE1BF6A2-4B8D-0549-A990-21304BB6EBBF}"/>
+                  </a:ext>
+                </a:extLst>
+              </p14:cNvPr>
+              <p14:cNvContentPartPr/>
+              <p14:nvPr/>
+            </p14:nvContentPartPr>
+            <p14:xfrm>
+              <a:off x="4786013" y="2975237"/>
+              <a:ext cx="2697480" cy="1689840"/>
+            </p14:xfrm>
+          </p:contentPart>
+        </mc:Choice>
+        <mc:Fallback>
+          <p:pic>
+            <p:nvPicPr>
+              <p:cNvPr id="2" name="Ink 1">
+                <a:extLst>
+                  <a:ext uri="{FF2B5EF4-FFF2-40B4-BE49-F238E27FC236}">
+                    <a16:creationId xmlns:a16="http://schemas.microsoft.com/office/drawing/2014/main" id="{AE1BF6A2-4B8D-0549-A990-21304BB6EBBF}"/>
+                  </a:ext>
+                </a:extLst>
+              </p:cNvPr>
+              <p:cNvPicPr/>
+              <p:nvPr/>
+            </p:nvPicPr>
+            <p:blipFill>
+              <a:blip r:embed="rId5"/>
+              <a:stretch>
+                <a:fillRect/>
+              </a:stretch>
+            </p:blipFill>
+            <p:spPr>
+              <a:xfrm>
+                <a:off x="4777013" y="2966597"/>
+                <a:ext cx="2715120" cy="1707480"/>
+              </a:xfrm>
+              <a:prstGeom prst="rect">
+                <a:avLst/>
+              </a:prstGeom>
+            </p:spPr>
+          </p:pic>
+        </mc:Fallback>
+      </mc:AlternateContent>
+      <mc:AlternateContent xmlns:mc="http://schemas.openxmlformats.org/markup-compatibility/2006">
+        <mc:Choice xmlns:p14="http://schemas.microsoft.com/office/powerpoint/2010/main" Requires="p14">
+          <p:contentPart p14:bwMode="auto" r:id="rId6">
+            <p14:nvContentPartPr>
+              <p14:cNvPr id="3" name="Ink 2">
+                <a:extLst>
+                  <a:ext uri="{FF2B5EF4-FFF2-40B4-BE49-F238E27FC236}">
+                    <a16:creationId xmlns:a16="http://schemas.microsoft.com/office/drawing/2014/main" id="{EB0FF641-E0F5-024C-A618-CCB40DCE1CF9}"/>
+                  </a:ext>
+                </a:extLst>
+              </p14:cNvPr>
+              <p14:cNvContentPartPr/>
+              <p14:nvPr/>
+            </p14:nvContentPartPr>
+            <p14:xfrm>
+              <a:off x="4779533" y="3751757"/>
+              <a:ext cx="2661840" cy="1245600"/>
+            </p14:xfrm>
+          </p:contentPart>
+        </mc:Choice>
+        <mc:Fallback>
+          <p:pic>
+            <p:nvPicPr>
+              <p:cNvPr id="3" name="Ink 2">
+                <a:extLst>
+                  <a:ext uri="{FF2B5EF4-FFF2-40B4-BE49-F238E27FC236}">
+                    <a16:creationId xmlns:a16="http://schemas.microsoft.com/office/drawing/2014/main" id="{EB0FF641-E0F5-024C-A618-CCB40DCE1CF9}"/>
+                  </a:ext>
+                </a:extLst>
+              </p:cNvPr>
+              <p:cNvPicPr/>
+              <p:nvPr/>
+            </p:nvPicPr>
+            <p:blipFill>
+              <a:blip r:embed="rId7"/>
+              <a:stretch>
+                <a:fillRect/>
+              </a:stretch>
+            </p:blipFill>
+            <p:spPr>
+              <a:xfrm>
+                <a:off x="4770533" y="3742757"/>
+                <a:ext cx="2679480" cy="1263240"/>
+              </a:xfrm>
+              <a:prstGeom prst="rect">
+                <a:avLst/>
+              </a:prstGeom>
+            </p:spPr>
+          </p:pic>
+        </mc:Fallback>
+      </mc:AlternateContent>
+      <p:grpSp>
+        <p:nvGrpSpPr>
+          <p:cNvPr id="18" name="Group 17">
+            <a:extLst>
+              <a:ext uri="{FF2B5EF4-FFF2-40B4-BE49-F238E27FC236}">
+                <a16:creationId xmlns:a16="http://schemas.microsoft.com/office/drawing/2014/main" id="{651B9DC2-699D-BF46-8588-1831094DFA4D}"/>
+              </a:ext>
+            </a:extLst>
+          </p:cNvPr>
+          <p:cNvGrpSpPr/>
+          <p:nvPr/>
+        </p:nvGrpSpPr>
+        <p:grpSpPr>
+          <a:xfrm>
+            <a:off x="4774853" y="4477877"/>
+            <a:ext cx="2702880" cy="1154160"/>
+            <a:chOff x="4774853" y="4477877"/>
+            <a:chExt cx="2702880" cy="1154160"/>
+          </a:xfrm>
+        </p:grpSpPr>
+        <mc:AlternateContent xmlns:mc="http://schemas.openxmlformats.org/markup-compatibility/2006">
+          <mc:Choice xmlns:p14="http://schemas.microsoft.com/office/powerpoint/2010/main" Requires="p14">
+            <p:contentPart p14:bwMode="auto" r:id="rId8">
+              <p14:nvContentPartPr>
+                <p14:cNvPr id="16" name="Ink 15">
+                  <a:extLst>
+                    <a:ext uri="{FF2B5EF4-FFF2-40B4-BE49-F238E27FC236}">
+                      <a16:creationId xmlns:a16="http://schemas.microsoft.com/office/drawing/2014/main" id="{24D8D1C8-7B90-8841-8BFA-F6950A963CC4}"/>
+                    </a:ext>
+                  </a:extLst>
+                </p14:cNvPr>
+                <p14:cNvContentPartPr/>
+                <p14:nvPr/>
+              </p14:nvContentPartPr>
+              <p14:xfrm>
+                <a:off x="4774853" y="4477877"/>
+                <a:ext cx="2702880" cy="835200"/>
+              </p14:xfrm>
+            </p:contentPart>
+          </mc:Choice>
+          <mc:Fallback>
+            <p:pic>
+              <p:nvPicPr>
+                <p:cNvPr id="16" name="Ink 15">
+                  <a:extLst>
+                    <a:ext uri="{FF2B5EF4-FFF2-40B4-BE49-F238E27FC236}">
+                      <a16:creationId xmlns:a16="http://schemas.microsoft.com/office/drawing/2014/main" id="{24D8D1C8-7B90-8841-8BFA-F6950A963CC4}"/>
+                    </a:ext>
+                  </a:extLst>
+                </p:cNvPr>
+                <p:cNvPicPr/>
+                <p:nvPr/>
+              </p:nvPicPr>
+              <p:blipFill>
+                <a:blip r:embed="rId9"/>
+                <a:stretch>
+                  <a:fillRect/>
+                </a:stretch>
+              </p:blipFill>
+              <p:spPr>
+                <a:xfrm>
+                  <a:off x="4765853" y="4469237"/>
+                  <a:ext cx="2720520" cy="852840"/>
+                </a:xfrm>
+                <a:prstGeom prst="rect">
+                  <a:avLst/>
+                </a:prstGeom>
+              </p:spPr>
+            </p:pic>
+          </mc:Fallback>
+        </mc:AlternateContent>
+        <mc:AlternateContent xmlns:mc="http://schemas.openxmlformats.org/markup-compatibility/2006">
+          <mc:Choice xmlns:p14="http://schemas.microsoft.com/office/powerpoint/2010/main" Requires="p14">
+            <p:contentPart p14:bwMode="auto" r:id="rId10">
+              <p14:nvContentPartPr>
+                <p14:cNvPr id="17" name="Ink 16">
+                  <a:extLst>
+                    <a:ext uri="{FF2B5EF4-FFF2-40B4-BE49-F238E27FC236}">
+                      <a16:creationId xmlns:a16="http://schemas.microsoft.com/office/drawing/2014/main" id="{ADD505D1-D9EE-6440-BF12-1E54F6B38529}"/>
+                    </a:ext>
+                  </a:extLst>
+                </p14:cNvPr>
+                <p14:cNvContentPartPr/>
+                <p14:nvPr/>
+              </p14:nvContentPartPr>
+              <p14:xfrm>
+                <a:off x="4781333" y="5073677"/>
+                <a:ext cx="2683800" cy="558360"/>
+              </p14:xfrm>
+            </p:contentPart>
+          </mc:Choice>
+          <mc:Fallback>
+            <p:pic>
+              <p:nvPicPr>
+                <p:cNvPr id="17" name="Ink 16">
+                  <a:extLst>
+                    <a:ext uri="{FF2B5EF4-FFF2-40B4-BE49-F238E27FC236}">
+                      <a16:creationId xmlns:a16="http://schemas.microsoft.com/office/drawing/2014/main" id="{ADD505D1-D9EE-6440-BF12-1E54F6B38529}"/>
+                    </a:ext>
+                  </a:extLst>
+                </p:cNvPr>
+                <p:cNvPicPr/>
+                <p:nvPr/>
+              </p:nvPicPr>
+              <p:blipFill>
+                <a:blip r:embed="rId11"/>
+                <a:stretch>
+                  <a:fillRect/>
+                </a:stretch>
+              </p:blipFill>
+              <p:spPr>
+                <a:xfrm>
+                  <a:off x="4772693" y="5065037"/>
+                  <a:ext cx="2701440" cy="576000"/>
+                </a:xfrm>
+                <a:prstGeom prst="rect">
+                  <a:avLst/>
+                </a:prstGeom>
+              </p:spPr>
+            </p:pic>
+          </mc:Fallback>
+        </mc:AlternateContent>
+      </p:grpSp>
+      <p:sp>
+        <p:nvSpPr>
+          <p:cNvPr id="19" name="TextBox 18">
+            <a:extLst>
+              <a:ext uri="{FF2B5EF4-FFF2-40B4-BE49-F238E27FC236}">
+                <a16:creationId xmlns:a16="http://schemas.microsoft.com/office/drawing/2014/main" id="{361FCB8F-6613-1542-9DCA-6DF050D5BD60}"/>
+              </a:ext>
+            </a:extLst>
+          </p:cNvPr>
+          <p:cNvSpPr txBox="1"/>
+          <p:nvPr/>
+        </p:nvSpPr>
+        <p:spPr>
+          <a:xfrm>
+            <a:off x="7359750" y="2179361"/>
+            <a:ext cx="1032334" cy="307777"/>
+          </a:xfrm>
+          <a:prstGeom prst="rect">
+            <a:avLst/>
+          </a:prstGeom>
+          <a:noFill/>
+        </p:spPr>
+        <p:txBody>
+          <a:bodyPr wrap="none" rtlCol="0">
+            <a:spAutoFit/>
+          </a:bodyPr>
+          <a:lstStyle/>
+          <a:p>
+            <a:pPr marL="0" algn="l" defTabSz="914400" rtl="0" eaLnBrk="1" latinLnBrk="0" hangingPunct="1"/>
+            <a:r>
+              <a:rPr lang="en-US" sz="1400" dirty="0">
+                <a:solidFill>
+                  <a:schemeClr val="tx1">
+                    <a:lumMod val="50000"/>
+                    <a:lumOff val="50000"/>
+                  </a:schemeClr>
+                </a:solidFill>
+              </a:rPr>
+              <a:t>Data stored</a:t>
+            </a:r>
+            <a:endParaRPr lang="en-IL" sz="1400" dirty="0">
+              <a:solidFill>
+                <a:schemeClr val="tx1">
+                  <a:lumMod val="50000"/>
+                  <a:lumOff val="50000"/>
+                </a:schemeClr>
+              </a:solidFill>
+            </a:endParaRPr>
+          </a:p>
+        </p:txBody>
+      </p:sp>
+      <p:sp>
+        <p:nvSpPr>
+          <p:cNvPr id="22" name="TextBox 21">
+            <a:extLst>
+              <a:ext uri="{FF2B5EF4-FFF2-40B4-BE49-F238E27FC236}">
+                <a16:creationId xmlns:a16="http://schemas.microsoft.com/office/drawing/2014/main" id="{75BDDB47-95AD-4E46-943D-EB38F26B2C08}"/>
+              </a:ext>
+            </a:extLst>
+          </p:cNvPr>
+          <p:cNvSpPr txBox="1"/>
+          <p:nvPr/>
+        </p:nvSpPr>
+        <p:spPr>
+          <a:xfrm>
+            <a:off x="3713339" y="2225491"/>
+            <a:ext cx="1097279" cy="954107"/>
+          </a:xfrm>
+          <a:prstGeom prst="rect">
+            <a:avLst/>
+          </a:prstGeom>
+          <a:noFill/>
+        </p:spPr>
+        <p:txBody>
+          <a:bodyPr wrap="square" rtlCol="0">
+            <a:spAutoFit/>
+          </a:bodyPr>
+          <a:lstStyle/>
+          <a:p>
+            <a:pPr marL="0" algn="l" defTabSz="914400" rtl="0" eaLnBrk="1" latinLnBrk="0" hangingPunct="1"/>
+            <a:r>
+              <a:rPr lang="en-US" sz="1400" dirty="0">
+                <a:solidFill>
+                  <a:schemeClr val="tx1">
+                    <a:lumMod val="50000"/>
+                    <a:lumOff val="50000"/>
+                  </a:schemeClr>
+                </a:solidFill>
+              </a:rPr>
+              <a:t>Pointing to the location in the heap memory</a:t>
+            </a:r>
+            <a:endParaRPr lang="en-IL" sz="1400" dirty="0">
+              <a:solidFill>
+                <a:schemeClr val="tx1">
+                  <a:lumMod val="50000"/>
+                  <a:lumOff val="50000"/>
+                </a:schemeClr>
+              </a:solidFill>
+            </a:endParaRPr>
+          </a:p>
+        </p:txBody>
+      </p:sp>
     </p:spTree>
     <p:extLst>
       <p:ext uri="{BB962C8B-B14F-4D97-AF65-F5344CB8AC3E}">
@@ -3993,6 +4583,126 @@
                       </p:childTnLst>
                     </p:cTn>
                   </p:par>
+                  <p:par>
+                    <p:cTn id="7" fill="hold">
+                      <p:stCondLst>
+                        <p:cond delay="indefinite"/>
+                      </p:stCondLst>
+                      <p:childTnLst>
+                        <p:par>
+                          <p:cTn id="8" fill="hold">
+                            <p:stCondLst>
+                              <p:cond delay="0"/>
+                            </p:stCondLst>
+                            <p:childTnLst>
+                              <p:par>
+                                <p:cTn id="9" presetID="44" presetClass="path" presetSubtype="0" accel="50000" decel="50000" fill="hold" grpId="0" nodeType="clickEffect">
+                                  <p:stCondLst>
+                                    <p:cond delay="0"/>
+                                  </p:stCondLst>
+                                  <p:childTnLst>
+                                    <p:animMotion origin="layout" path="M 0 3.33333E-6 L -0.04036 -0.04005 C -0.04883 -0.04908 -0.06146 -0.05394 -0.07461 -0.05394 C -0.08971 -0.05394 -0.10169 -0.04908 -0.11016 -0.04005 L -0.15039 3.33333E-6 " pathEditMode="relative" rAng="0" ptsTypes="AAAAA">
+                                      <p:cBhvr>
+                                        <p:cTn id="10" dur="2000" fill="hold"/>
+                                        <p:tgtEl>
+                                          <p:spTgt spid="13"/>
+                                        </p:tgtEl>
+                                        <p:attrNameLst>
+                                          <p:attrName>ppt_x</p:attrName>
+                                          <p:attrName>ppt_y</p:attrName>
+                                        </p:attrNameLst>
+                                      </p:cBhvr>
+                                      <p:rCtr x="-7526" y="-2708"/>
+                                    </p:animMotion>
+                                  </p:childTnLst>
+                                </p:cTn>
+                              </p:par>
+                            </p:childTnLst>
+                          </p:cTn>
+                        </p:par>
+                      </p:childTnLst>
+                    </p:cTn>
+                  </p:par>
+                  <p:par>
+                    <p:cTn id="11" fill="hold">
+                      <p:stCondLst>
+                        <p:cond delay="indefinite"/>
+                      </p:stCondLst>
+                      <p:childTnLst>
+                        <p:par>
+                          <p:cTn id="12" fill="hold">
+                            <p:stCondLst>
+                              <p:cond delay="0"/>
+                            </p:stCondLst>
+                            <p:childTnLst>
+                              <p:par>
+                                <p:cTn id="13" presetID="44" presetClass="path" presetSubtype="0" accel="50000" decel="50000" fill="hold" grpId="0" nodeType="clickEffect">
+                                  <p:stCondLst>
+                                    <p:cond delay="0"/>
+                                  </p:stCondLst>
+                                  <p:childTnLst>
+                                    <p:animMotion origin="layout" path="M 0 3.33333E-6 L -0.04036 -0.04005 C -0.04883 -0.04908 -0.06146 -0.05394 -0.07461 -0.05394 C -0.08971 -0.05394 -0.10169 -0.04908 -0.11016 -0.04005 L -0.15039 3.33333E-6 " pathEditMode="relative" rAng="0" ptsTypes="AAAAA">
+                                      <p:cBhvr>
+                                        <p:cTn id="14" dur="2000" fill="hold"/>
+                                        <p:tgtEl>
+                                          <p:spTgt spid="14"/>
+                                        </p:tgtEl>
+                                        <p:attrNameLst>
+                                          <p:attrName>ppt_x</p:attrName>
+                                          <p:attrName>ppt_y</p:attrName>
+                                        </p:attrNameLst>
+                                      </p:cBhvr>
+                                      <p:rCtr x="-7526" y="-2708"/>
+                                    </p:animMotion>
+                                  </p:childTnLst>
+                                </p:cTn>
+                              </p:par>
+                            </p:childTnLst>
+                          </p:cTn>
+                        </p:par>
+                      </p:childTnLst>
+                    </p:cTn>
+                  </p:par>
+                  <p:par>
+                    <p:cTn id="15" fill="hold">
+                      <p:stCondLst>
+                        <p:cond delay="indefinite"/>
+                      </p:stCondLst>
+                      <p:childTnLst>
+                        <p:par>
+                          <p:cTn id="16" fill="hold">
+                            <p:stCondLst>
+                              <p:cond delay="0"/>
+                            </p:stCondLst>
+                            <p:childTnLst>
+                              <p:par>
+                                <p:cTn id="17" presetID="44" presetClass="path" presetSubtype="0" accel="50000" decel="50000" fill="hold" grpId="0" nodeType="clickEffect">
+                                  <p:stCondLst>
+                                    <p:cond delay="0"/>
+                                  </p:stCondLst>
+                                  <p:childTnLst>
+                                    <p:animMotion origin="layout" path="M 0 3.33333E-6 L -0.04036 -0.04005 C -0.04883 -0.04908 -0.06146 -0.05394 -0.07461 -0.05394 C -0.08971 -0.05394 -0.10169 -0.04908 -0.11016 -0.04005 L -0.15039 3.33333E-6 " pathEditMode="relative" rAng="0" ptsTypes="AAAAA">
+                                      <p:cBhvr>
+                                        <p:cTn id="18" dur="2000" fill="hold"/>
+                                        <p:tgtEl>
+                                          <p:spTgt spid="15"/>
+                                        </p:tgtEl>
+                                        <p:attrNameLst>
+                                          <p:attrName>ppt_x</p:attrName>
+                                          <p:attrName>ppt_y</p:attrName>
+                                        </p:attrNameLst>
+                                      </p:cBhvr>
+                                      <p:rCtr x="-7526" y="-2708"/>
+                                    </p:animMotion>
+                                  </p:childTnLst>
+                                </p:cTn>
+                              </p:par>
+                            </p:childTnLst>
+                          </p:cTn>
+                        </p:par>
+                      </p:childTnLst>
+                    </p:cTn>
+                  </p:par>
                 </p:childTnLst>
               </p:cTn>
               <p:prevCondLst>
@@ -4016,6 +4726,9 @@
     </p:tnLst>
     <p:bldLst>
       <p:bldP spid="12" grpId="0" animBg="1"/>
+      <p:bldP spid="13" grpId="0" animBg="1"/>
+      <p:bldP spid="14" grpId="0" animBg="1"/>
+      <p:bldP spid="15" grpId="0" animBg="1"/>
     </p:bldLst>
   </p:timing>
 </p:sld>
